--- a/Presentation.pptx
+++ b/Presentation.pptx
@@ -5,7 +5,7 @@
     <p:sldMasterId id="2147483839" r:id="rId1"/>
   </p:sldMasterIdLst>
   <p:notesMasterIdLst>
-    <p:notesMasterId r:id="rId13"/>
+    <p:notesMasterId r:id="rId19"/>
   </p:notesMasterIdLst>
   <p:sldIdLst>
     <p:sldId id="256" r:id="rId2"/>
@@ -18,7 +18,13 @@
     <p:sldId id="263" r:id="rId9"/>
     <p:sldId id="264" r:id="rId10"/>
     <p:sldId id="265" r:id="rId11"/>
-    <p:sldId id="266" r:id="rId12"/>
+    <p:sldId id="267" r:id="rId12"/>
+    <p:sldId id="268" r:id="rId13"/>
+    <p:sldId id="269" r:id="rId14"/>
+    <p:sldId id="270" r:id="rId15"/>
+    <p:sldId id="271" r:id="rId16"/>
+    <p:sldId id="266" r:id="rId17"/>
+    <p:sldId id="272" r:id="rId18"/>
   </p:sldIdLst>
   <p:sldSz cx="12192000" cy="6858000"/>
   <p:notesSz cx="6858000" cy="9144000"/>
@@ -117,6 +123,11 @@
       </a:defRPr>
     </a:lvl9pPr>
   </p:defaultTextStyle>
+  <p:extLst>
+    <p:ext uri="{EFAFB233-063F-42B5-8137-9DF3F51BA10A}">
+      <p15:sldGuideLst xmlns:p15="http://schemas.microsoft.com/office/powerpoint/2012/main"/>
+    </p:ext>
+  </p:extLst>
 </p:presentation>
 </file>
 
@@ -962,7 +973,11 @@
     </dgm:pt>
     <dgm:pt modelId="{86238276-34D8-43E1-8F10-7335D21CD5E4}" type="sibTrans" cxnId="{1AB80EE6-3677-450B-A279-BDB1DA5DD530}">
       <dgm:prSet/>
-      <dgm:spPr/>
+      <dgm:spPr>
+        <a:solidFill>
+          <a:schemeClr val="tx1"/>
+        </a:solidFill>
+      </dgm:spPr>
       <dgm:t>
         <a:bodyPr/>
         <a:lstStyle/>
@@ -999,12 +1014,16 @@
     </dgm:pt>
     <dgm:pt modelId="{00F2C6BA-1D4C-42C3-AF09-7AD59DEAFFF2}" type="sibTrans" cxnId="{B7E7D103-4079-4647-A080-7A21A0609D4C}">
       <dgm:prSet/>
-      <dgm:spPr/>
+      <dgm:spPr>
+        <a:solidFill>
+          <a:schemeClr val="tx1"/>
+        </a:solidFill>
+      </dgm:spPr>
       <dgm:t>
         <a:bodyPr/>
         <a:lstStyle/>
         <a:p>
-          <a:endParaRPr lang="uk-UA"/>
+          <a:endParaRPr lang="uk-UA" dirty="0"/>
         </a:p>
       </dgm:t>
     </dgm:pt>
@@ -1069,12 +1088,30 @@
       </dgm:t>
     </dgm:pt>
     <dgm:pt modelId="{071E7ABF-31A3-4D8E-B126-250D3509EF7F}" type="pres">
-      <dgm:prSet presAssocID="{86238276-34D8-43E1-8F10-7335D21CD5E4}" presName="sibTrans" presStyleLbl="sibTrans2D1" presStyleIdx="0" presStyleCnt="2"/>
-      <dgm:spPr/>
+      <dgm:prSet presAssocID="{86238276-34D8-43E1-8F10-7335D21CD5E4}" presName="sibTrans" presStyleLbl="sibTrans2D1" presStyleIdx="0" presStyleCnt="2" custScaleX="178447"/>
+      <dgm:spPr>
+        <a:prstGeom prst="leftRightArrow">
+          <a:avLst/>
+        </a:prstGeom>
+      </dgm:spPr>
+      <dgm:t>
+        <a:bodyPr/>
+        <a:lstStyle/>
+        <a:p>
+          <a:endParaRPr lang="uk-UA"/>
+        </a:p>
+      </dgm:t>
     </dgm:pt>
     <dgm:pt modelId="{C5B77267-4D76-45A3-9105-06F052693843}" type="pres">
       <dgm:prSet presAssocID="{86238276-34D8-43E1-8F10-7335D21CD5E4}" presName="connectorText" presStyleLbl="sibTrans2D1" presStyleIdx="0" presStyleCnt="2"/>
       <dgm:spPr/>
+      <dgm:t>
+        <a:bodyPr/>
+        <a:lstStyle/>
+        <a:p>
+          <a:endParaRPr lang="uk-UA"/>
+        </a:p>
+      </dgm:t>
     </dgm:pt>
     <dgm:pt modelId="{B7AE7A8B-6C5F-4C91-9E3E-EBE65F33F319}" type="pres">
       <dgm:prSet presAssocID="{9624842A-B6D1-4B6D-85CC-4705AA416B77}" presName="node" presStyleLbl="node1" presStyleIdx="1" presStyleCnt="3">
@@ -1092,12 +1129,30 @@
       </dgm:t>
     </dgm:pt>
     <dgm:pt modelId="{D729DDEB-0E04-43FE-AF21-C4E60504139B}" type="pres">
-      <dgm:prSet presAssocID="{00F2C6BA-1D4C-42C3-AF09-7AD59DEAFFF2}" presName="sibTrans" presStyleLbl="sibTrans2D1" presStyleIdx="1" presStyleCnt="2"/>
-      <dgm:spPr/>
+      <dgm:prSet presAssocID="{00F2C6BA-1D4C-42C3-AF09-7AD59DEAFFF2}" presName="sibTrans" presStyleLbl="sibTrans2D1" presStyleIdx="1" presStyleCnt="2" custScaleX="187655"/>
+      <dgm:spPr>
+        <a:prstGeom prst="leftRightArrow">
+          <a:avLst/>
+        </a:prstGeom>
+      </dgm:spPr>
+      <dgm:t>
+        <a:bodyPr/>
+        <a:lstStyle/>
+        <a:p>
+          <a:endParaRPr lang="uk-UA"/>
+        </a:p>
+      </dgm:t>
     </dgm:pt>
     <dgm:pt modelId="{24ECA466-21A5-454D-8BC1-919C76C9E1DC}" type="pres">
       <dgm:prSet presAssocID="{00F2C6BA-1D4C-42C3-AF09-7AD59DEAFFF2}" presName="connectorText" presStyleLbl="sibTrans2D1" presStyleIdx="1" presStyleCnt="2"/>
       <dgm:spPr/>
+      <dgm:t>
+        <a:bodyPr/>
+        <a:lstStyle/>
+        <a:p>
+          <a:endParaRPr lang="uk-UA"/>
+        </a:p>
+      </dgm:t>
     </dgm:pt>
     <dgm:pt modelId="{63824E7B-D04B-4A28-A704-04964E1081C7}" type="pres">
       <dgm:prSet presAssocID="{8BA591FB-7C4A-4977-8690-769E0A6EA999}" presName="node" presStyleLbl="node1" presStyleIdx="2" presStyleCnt="3">
@@ -1117,8 +1172,8 @@
   </dgm:ptLst>
   <dgm:cxnLst>
     <dgm:cxn modelId="{9E6B0ED2-3AB6-4B57-AD20-8154584E738F}" type="presOf" srcId="{86238276-34D8-43E1-8F10-7335D21CD5E4}" destId="{C5B77267-4D76-45A3-9105-06F052693843}" srcOrd="1" destOrd="0" presId="urn:microsoft.com/office/officeart/2005/8/layout/process1"/>
+    <dgm:cxn modelId="{42AF51A4-C242-418F-9AD2-2348A00F2C79}" type="presOf" srcId="{00F2C6BA-1D4C-42C3-AF09-7AD59DEAFFF2}" destId="{24ECA466-21A5-454D-8BC1-919C76C9E1DC}" srcOrd="1" destOrd="0" presId="urn:microsoft.com/office/officeart/2005/8/layout/process1"/>
     <dgm:cxn modelId="{1AB80EE6-3677-450B-A279-BDB1DA5DD530}" srcId="{09AC55E8-65DE-474E-9916-6F1832C678E2}" destId="{E4DE8799-68B7-49A1-9272-B65A36671E77}" srcOrd="0" destOrd="0" parTransId="{FAD74A62-694F-4602-B77E-DC44DA8467E6}" sibTransId="{86238276-34D8-43E1-8F10-7335D21CD5E4}"/>
-    <dgm:cxn modelId="{42AF51A4-C242-418F-9AD2-2348A00F2C79}" type="presOf" srcId="{00F2C6BA-1D4C-42C3-AF09-7AD59DEAFFF2}" destId="{24ECA466-21A5-454D-8BC1-919C76C9E1DC}" srcOrd="1" destOrd="0" presId="urn:microsoft.com/office/officeart/2005/8/layout/process1"/>
     <dgm:cxn modelId="{205DA406-A779-4EBA-BD36-6FB173A61807}" type="presOf" srcId="{9624842A-B6D1-4B6D-85CC-4705AA416B77}" destId="{B7AE7A8B-6C5F-4C91-9E3E-EBE65F33F319}" srcOrd="0" destOrd="0" presId="urn:microsoft.com/office/officeart/2005/8/layout/process1"/>
     <dgm:cxn modelId="{824647F9-4D49-4EBD-A5E9-42F7141C7D0E}" type="presOf" srcId="{E4DE8799-68B7-49A1-9272-B65A36671E77}" destId="{82C1C904-D592-4282-BCF5-E542D7C74B3B}" srcOrd="0" destOrd="0" presId="urn:microsoft.com/office/officeart/2005/8/layout/process1"/>
     <dgm:cxn modelId="{2DDDC242-01A5-44BD-B922-BC99C9BBA322}" type="presOf" srcId="{86238276-34D8-43E1-8F10-7335D21CD5E4}" destId="{071E7ABF-31A3-4D8E-B126-250D3509EF7F}" srcOrd="0" destOrd="0" presId="urn:microsoft.com/office/officeart/2005/8/layout/process1"/>
@@ -1240,23 +1295,14 @@
       </dsp:nvSpPr>
       <dsp:spPr>
         <a:xfrm rot="21584347">
-          <a:off x="2350489" y="1673157"/>
-          <a:ext cx="456450" cy="529526"/>
+          <a:off x="2171453" y="1673157"/>
+          <a:ext cx="814522" cy="529526"/>
         </a:xfrm>
-        <a:prstGeom prst="rightArrow">
-          <a:avLst>
-            <a:gd name="adj1" fmla="val 60000"/>
-            <a:gd name="adj2" fmla="val 50000"/>
-          </a:avLst>
+        <a:prstGeom prst="leftRightArrow">
+          <a:avLst/>
         </a:prstGeom>
         <a:solidFill>
-          <a:schemeClr val="dk2">
-            <a:tint val="60000"/>
-            <a:hueOff val="0"/>
-            <a:satOff val="0"/>
-            <a:lumOff val="0"/>
-            <a:alphaOff val="0"/>
-          </a:schemeClr>
+          <a:schemeClr val="tx1"/>
         </a:solidFill>
         <a:ln>
           <a:noFill/>
@@ -1298,8 +1344,8 @@
         </a:p>
       </dsp:txBody>
       <dsp:txXfrm>
-        <a:off x="2350490" y="1779374"/>
-        <a:ext cx="319515" cy="317716"/>
+        <a:off x="2171454" y="1779424"/>
+        <a:ext cx="655664" cy="317716"/>
       </dsp:txXfrm>
     </dsp:sp>
     <dsp:sp modelId="{B7AE7A8B-6C5F-4C91-9E3E-EBE65F33F319}">
@@ -1389,23 +1435,14 @@
       </dsp:nvSpPr>
       <dsp:spPr>
         <a:xfrm>
-          <a:off x="5345112" y="1666394"/>
-          <a:ext cx="452659" cy="529526"/>
+          <a:off x="5146723" y="1666394"/>
+          <a:ext cx="849438" cy="529526"/>
         </a:xfrm>
-        <a:prstGeom prst="rightArrow">
-          <a:avLst>
-            <a:gd name="adj1" fmla="val 60000"/>
-            <a:gd name="adj2" fmla="val 50000"/>
-          </a:avLst>
+        <a:prstGeom prst="leftRightArrow">
+          <a:avLst/>
         </a:prstGeom>
         <a:solidFill>
-          <a:schemeClr val="dk2">
-            <a:tint val="60000"/>
-            <a:hueOff val="0"/>
-            <a:satOff val="0"/>
-            <a:lumOff val="0"/>
-            <a:alphaOff val="0"/>
-          </a:schemeClr>
+          <a:schemeClr val="tx1"/>
         </a:solidFill>
         <a:ln>
           <a:noFill/>
@@ -1443,12 +1480,12 @@
               <a:spcPct val="35000"/>
             </a:spcAft>
           </a:pPr>
-          <a:endParaRPr lang="uk-UA" sz="2000" kern="1200"/>
+          <a:endParaRPr lang="uk-UA" sz="2000" kern="1200" dirty="0"/>
         </a:p>
       </dsp:txBody>
       <dsp:txXfrm>
-        <a:off x="5345112" y="1772299"/>
-        <a:ext cx="316861" cy="317716"/>
+        <a:off x="5146723" y="1772299"/>
+        <a:ext cx="690580" cy="317716"/>
       </dsp:txXfrm>
     </dsp:sp>
     <dsp:sp modelId="{63824E7B-D04B-4A28-A704-04964E1081C7}">
@@ -2796,7 +2833,7 @@
           <a:p>
             <a:fld id="{9150053A-208D-4831-81E5-AC6859447574}" type="datetimeFigureOut">
               <a:rPr lang="uk-UA" smtClean="0"/>
-              <a:t>25.04.2017</a:t>
+              <a:t>26.04.2017</a:t>
             </a:fld>
             <a:endParaRPr lang="uk-UA"/>
           </a:p>
@@ -3339,7 +3376,7 @@
           <a:p>
             <a:fld id="{4684D1D8-4F68-4403-AB79-F2B990F0B8D0}" type="datetimeFigureOut">
               <a:rPr lang="uk-UA" smtClean="0"/>
-              <a:t>25.04.2017</a:t>
+              <a:t>26.04.2017</a:t>
             </a:fld>
             <a:endParaRPr lang="uk-UA"/>
           </a:p>
@@ -3775,7 +3812,7 @@
           <a:p>
             <a:fld id="{4684D1D8-4F68-4403-AB79-F2B990F0B8D0}" type="datetimeFigureOut">
               <a:rPr lang="uk-UA" smtClean="0"/>
-              <a:t>25.04.2017</a:t>
+              <a:t>26.04.2017</a:t>
             </a:fld>
             <a:endParaRPr lang="uk-UA"/>
           </a:p>
@@ -4025,7 +4062,7 @@
           <a:p>
             <a:fld id="{4684D1D8-4F68-4403-AB79-F2B990F0B8D0}" type="datetimeFigureOut">
               <a:rPr lang="uk-UA" smtClean="0"/>
-              <a:t>25.04.2017</a:t>
+              <a:t>26.04.2017</a:t>
             </a:fld>
             <a:endParaRPr lang="uk-UA"/>
           </a:p>
@@ -4333,7 +4370,7 @@
           <a:p>
             <a:fld id="{4684D1D8-4F68-4403-AB79-F2B990F0B8D0}" type="datetimeFigureOut">
               <a:rPr lang="uk-UA" smtClean="0"/>
-              <a:t>25.04.2017</a:t>
+              <a:t>26.04.2017</a:t>
             </a:fld>
             <a:endParaRPr lang="uk-UA"/>
           </a:p>
@@ -4651,7 +4688,7 @@
           <a:p>
             <a:fld id="{4684D1D8-4F68-4403-AB79-F2B990F0B8D0}" type="datetimeFigureOut">
               <a:rPr lang="uk-UA" smtClean="0"/>
-              <a:t>25.04.2017</a:t>
+              <a:t>26.04.2017</a:t>
             </a:fld>
             <a:endParaRPr lang="uk-UA"/>
           </a:p>
@@ -4953,7 +4990,7 @@
           <a:p>
             <a:fld id="{4684D1D8-4F68-4403-AB79-F2B990F0B8D0}" type="datetimeFigureOut">
               <a:rPr lang="uk-UA" smtClean="0"/>
-              <a:t>25.04.2017</a:t>
+              <a:t>26.04.2017</a:t>
             </a:fld>
             <a:endParaRPr lang="uk-UA"/>
           </a:p>
@@ -5320,7 +5357,7 @@
           <a:p>
             <a:fld id="{4684D1D8-4F68-4403-AB79-F2B990F0B8D0}" type="datetimeFigureOut">
               <a:rPr lang="uk-UA" smtClean="0"/>
-              <a:t>25.04.2017</a:t>
+              <a:t>26.04.2017</a:t>
             </a:fld>
             <a:endParaRPr lang="uk-UA"/>
           </a:p>
@@ -5494,7 +5531,7 @@
           <a:p>
             <a:fld id="{4684D1D8-4F68-4403-AB79-F2B990F0B8D0}" type="datetimeFigureOut">
               <a:rPr lang="uk-UA" smtClean="0"/>
-              <a:t>25.04.2017</a:t>
+              <a:t>26.04.2017</a:t>
             </a:fld>
             <a:endParaRPr lang="uk-UA"/>
           </a:p>
@@ -5674,7 +5711,7 @@
           <a:p>
             <a:fld id="{4684D1D8-4F68-4403-AB79-F2B990F0B8D0}" type="datetimeFigureOut">
               <a:rPr lang="uk-UA" smtClean="0"/>
-              <a:t>25.04.2017</a:t>
+              <a:t>26.04.2017</a:t>
             </a:fld>
             <a:endParaRPr lang="uk-UA"/>
           </a:p>
@@ -5844,7 +5881,7 @@
           <a:p>
             <a:fld id="{4684D1D8-4F68-4403-AB79-F2B990F0B8D0}" type="datetimeFigureOut">
               <a:rPr lang="uk-UA" smtClean="0"/>
-              <a:t>25.04.2017</a:t>
+              <a:t>26.04.2017</a:t>
             </a:fld>
             <a:endParaRPr lang="uk-UA"/>
           </a:p>
@@ -6094,7 +6131,7 @@
           <a:p>
             <a:fld id="{4684D1D8-4F68-4403-AB79-F2B990F0B8D0}" type="datetimeFigureOut">
               <a:rPr lang="uk-UA" smtClean="0"/>
-              <a:t>25.04.2017</a:t>
+              <a:t>26.04.2017</a:t>
             </a:fld>
             <a:endParaRPr lang="uk-UA"/>
           </a:p>
@@ -6330,7 +6367,7 @@
           <a:p>
             <a:fld id="{4684D1D8-4F68-4403-AB79-F2B990F0B8D0}" type="datetimeFigureOut">
               <a:rPr lang="uk-UA" smtClean="0"/>
-              <a:t>25.04.2017</a:t>
+              <a:t>26.04.2017</a:t>
             </a:fld>
             <a:endParaRPr lang="uk-UA"/>
           </a:p>
@@ -6712,7 +6749,7 @@
           <a:p>
             <a:fld id="{4684D1D8-4F68-4403-AB79-F2B990F0B8D0}" type="datetimeFigureOut">
               <a:rPr lang="uk-UA" smtClean="0"/>
-              <a:t>25.04.2017</a:t>
+              <a:t>26.04.2017</a:t>
             </a:fld>
             <a:endParaRPr lang="uk-UA"/>
           </a:p>
@@ -6830,7 +6867,7 @@
           <a:p>
             <a:fld id="{4684D1D8-4F68-4403-AB79-F2B990F0B8D0}" type="datetimeFigureOut">
               <a:rPr lang="uk-UA" smtClean="0"/>
-              <a:t>25.04.2017</a:t>
+              <a:t>26.04.2017</a:t>
             </a:fld>
             <a:endParaRPr lang="uk-UA"/>
           </a:p>
@@ -6925,7 +6962,7 @@
           <a:p>
             <a:fld id="{4684D1D8-4F68-4403-AB79-F2B990F0B8D0}" type="datetimeFigureOut">
               <a:rPr lang="uk-UA" smtClean="0"/>
-              <a:t>25.04.2017</a:t>
+              <a:t>26.04.2017</a:t>
             </a:fld>
             <a:endParaRPr lang="uk-UA"/>
           </a:p>
@@ -7180,7 +7217,7 @@
           <a:p>
             <a:fld id="{4684D1D8-4F68-4403-AB79-F2B990F0B8D0}" type="datetimeFigureOut">
               <a:rPr lang="uk-UA" smtClean="0"/>
-              <a:t>25.04.2017</a:t>
+              <a:t>26.04.2017</a:t>
             </a:fld>
             <a:endParaRPr lang="uk-UA"/>
           </a:p>
@@ -7463,7 +7500,7 @@
           <a:p>
             <a:fld id="{4684D1D8-4F68-4403-AB79-F2B990F0B8D0}" type="datetimeFigureOut">
               <a:rPr lang="uk-UA" smtClean="0"/>
-              <a:t>25.04.2017</a:t>
+              <a:t>26.04.2017</a:t>
             </a:fld>
             <a:endParaRPr lang="uk-UA"/>
           </a:p>
@@ -7869,7 +7906,7 @@
           <a:p>
             <a:fld id="{4684D1D8-4F68-4403-AB79-F2B990F0B8D0}" type="datetimeFigureOut">
               <a:rPr lang="uk-UA" smtClean="0"/>
-              <a:t>25.04.2017</a:t>
+              <a:t>26.04.2017</a:t>
             </a:fld>
             <a:endParaRPr lang="uk-UA"/>
           </a:p>
@@ -8514,7 +8551,7 @@
         </p:blipFill>
         <p:spPr bwMode="auto">
           <a:xfrm>
-            <a:off x="1478748" y="685800"/>
+            <a:off x="684212" y="603913"/>
             <a:ext cx="6945330" cy="3614738"/>
           </a:xfrm>
           <a:prstGeom prst="rect">
@@ -8532,6 +8569,76 @@
           </a:extLst>
         </p:spPr>
       </p:pic>
+      <p:sp>
+        <p:nvSpPr>
+          <p:cNvPr id="3" name="TextBox 2"/>
+          <p:cNvSpPr txBox="1"/>
+          <p:nvPr/>
+        </p:nvSpPr>
+        <p:spPr>
+          <a:xfrm>
+            <a:off x="7629542" y="2137000"/>
+            <a:ext cx="3862316" cy="2215991"/>
+          </a:xfrm>
+          <a:prstGeom prst="rect">
+            <a:avLst/>
+          </a:prstGeom>
+          <a:noFill/>
+        </p:spPr>
+        <p:txBody>
+          <a:bodyPr wrap="square" rtlCol="0">
+            <a:spAutoFit/>
+          </a:bodyPr>
+          <a:lstStyle/>
+          <a:p>
+            <a:pPr marL="285750" indent="-285750">
+              <a:buFont typeface="Arial" panose="020B0604020202020204" pitchFamily="34" charset="0"/>
+              <a:buChar char="•"/>
+            </a:pPr>
+            <a:r>
+              <a:rPr lang="uk-UA" sz="2400" dirty="0" smtClean="0"/>
+              <a:t>Потужна агрегація</a:t>
+            </a:r>
+          </a:p>
+          <a:p>
+            <a:pPr marL="285750" indent="-285750">
+              <a:buFont typeface="Arial" panose="020B0604020202020204" pitchFamily="34" charset="0"/>
+              <a:buChar char="•"/>
+            </a:pPr>
+            <a:r>
+              <a:rPr lang="uk-UA" sz="2400" dirty="0" smtClean="0"/>
+              <a:t>Швидкість</a:t>
+            </a:r>
+          </a:p>
+          <a:p>
+            <a:pPr marL="285750" indent="-285750">
+              <a:buFont typeface="Arial" panose="020B0604020202020204" pitchFamily="34" charset="0"/>
+              <a:buChar char="•"/>
+            </a:pPr>
+            <a:r>
+              <a:rPr lang="uk-UA" sz="2400" dirty="0" smtClean="0"/>
+              <a:t>Масштабування</a:t>
+            </a:r>
+          </a:p>
+          <a:p>
+            <a:pPr marL="285750" indent="-285750">
+              <a:buFont typeface="Arial" panose="020B0604020202020204" pitchFamily="34" charset="0"/>
+              <a:buChar char="•"/>
+            </a:pPr>
+            <a:r>
+              <a:rPr lang="uk-UA" sz="2400" dirty="0" smtClean="0"/>
+              <a:t>Повнотекстовий розумний пошук</a:t>
+            </a:r>
+          </a:p>
+          <a:p>
+            <a:pPr marL="285750" indent="-285750">
+              <a:buFont typeface="Arial" panose="020B0604020202020204" pitchFamily="34" charset="0"/>
+              <a:buChar char="•"/>
+            </a:pPr>
+            <a:endParaRPr lang="uk-UA" dirty="0" smtClean="0"/>
+          </a:p>
+        </p:txBody>
+      </p:sp>
     </p:spTree>
     <p:extLst>
       <p:ext uri="{BB962C8B-B14F-4D97-AF65-F5344CB8AC3E}">
@@ -8585,6 +8692,416 @@
           <a:lstStyle/>
           <a:p>
             <a:r>
+              <a:rPr lang="uk-UA" dirty="0" err="1" smtClean="0"/>
+              <a:t>ІнструкціЯ</a:t>
+            </a:r>
+            <a:endParaRPr lang="uk-UA" dirty="0"/>
+          </a:p>
+        </p:txBody>
+      </p:sp>
+      <p:pic>
+        <p:nvPicPr>
+          <p:cNvPr id="4" name="Content Placeholder 3"/>
+          <p:cNvPicPr>
+            <a:picLocks noGrp="1" noChangeAspect="1"/>
+          </p:cNvPicPr>
+          <p:nvPr>
+            <p:ph idx="1"/>
+          </p:nvPr>
+        </p:nvPicPr>
+        <p:blipFill>
+          <a:blip r:embed="rId2">
+            <a:extLst>
+              <a:ext uri="{28A0092B-C50C-407E-A947-70E740481C1C}">
+                <a14:useLocalDpi xmlns:a14="http://schemas.microsoft.com/office/drawing/2010/main" val="0"/>
+              </a:ext>
+            </a:extLst>
+          </a:blip>
+          <a:stretch>
+            <a:fillRect/>
+          </a:stretch>
+        </p:blipFill>
+        <p:spPr>
+          <a:xfrm>
+            <a:off x="383962" y="705237"/>
+            <a:ext cx="11118192" cy="3307205"/>
+          </a:xfrm>
+        </p:spPr>
+      </p:pic>
+    </p:spTree>
+    <p:extLst>
+      <p:ext uri="{BB962C8B-B14F-4D97-AF65-F5344CB8AC3E}">
+        <p14:creationId xmlns:p14="http://schemas.microsoft.com/office/powerpoint/2010/main" val="3639839572"/>
+      </p:ext>
+    </p:extLst>
+  </p:cSld>
+  <p:clrMapOvr>
+    <a:masterClrMapping/>
+  </p:clrMapOvr>
+</p:sld>
+</file>
+
+<file path=ppt/slides/slide12.xml><?xml version="1.0" encoding="utf-8"?>
+<p:sld xmlns:a="http://schemas.openxmlformats.org/drawingml/2006/main" xmlns:r="http://schemas.openxmlformats.org/officeDocument/2006/relationships" xmlns:p="http://schemas.openxmlformats.org/presentationml/2006/main">
+  <p:cSld>
+    <p:spTree>
+      <p:nvGrpSpPr>
+        <p:cNvPr id="1" name=""/>
+        <p:cNvGrpSpPr/>
+        <p:nvPr/>
+      </p:nvGrpSpPr>
+      <p:grpSpPr>
+        <a:xfrm>
+          <a:off x="0" y="0"/>
+          <a:ext cx="0" cy="0"/>
+          <a:chOff x="0" y="0"/>
+          <a:chExt cx="0" cy="0"/>
+        </a:xfrm>
+      </p:grpSpPr>
+      <p:sp>
+        <p:nvSpPr>
+          <p:cNvPr id="2" name="Title 1"/>
+          <p:cNvSpPr>
+            <a:spLocks noGrp="1"/>
+          </p:cNvSpPr>
+          <p:nvPr>
+            <p:ph type="title"/>
+          </p:nvPr>
+        </p:nvSpPr>
+        <p:spPr/>
+        <p:txBody>
+          <a:bodyPr/>
+          <a:lstStyle/>
+          <a:p>
+            <a:r>
+              <a:rPr lang="uk-UA" dirty="0" smtClean="0"/>
+              <a:t>Завантажуємо</a:t>
+            </a:r>
+            <a:endParaRPr lang="uk-UA" dirty="0"/>
+          </a:p>
+        </p:txBody>
+      </p:sp>
+      <p:pic>
+        <p:nvPicPr>
+          <p:cNvPr id="4" name="Content Placeholder 3"/>
+          <p:cNvPicPr>
+            <a:picLocks noGrp="1" noChangeAspect="1"/>
+          </p:cNvPicPr>
+          <p:nvPr>
+            <p:ph idx="1"/>
+          </p:nvPr>
+        </p:nvPicPr>
+        <p:blipFill>
+          <a:blip r:embed="rId2">
+            <a:extLst>
+              <a:ext uri="{28A0092B-C50C-407E-A947-70E740481C1C}">
+                <a14:useLocalDpi xmlns:a14="http://schemas.microsoft.com/office/drawing/2010/main" val="0"/>
+              </a:ext>
+            </a:extLst>
+          </a:blip>
+          <a:stretch>
+            <a:fillRect/>
+          </a:stretch>
+        </p:blipFill>
+        <p:spPr>
+          <a:xfrm>
+            <a:off x="684212" y="667767"/>
+            <a:ext cx="10777936" cy="2266501"/>
+          </a:xfrm>
+        </p:spPr>
+      </p:pic>
+    </p:spTree>
+    <p:extLst>
+      <p:ext uri="{BB962C8B-B14F-4D97-AF65-F5344CB8AC3E}">
+        <p14:creationId xmlns:p14="http://schemas.microsoft.com/office/powerpoint/2010/main" val="4175288449"/>
+      </p:ext>
+    </p:extLst>
+  </p:cSld>
+  <p:clrMapOvr>
+    <a:masterClrMapping/>
+  </p:clrMapOvr>
+</p:sld>
+</file>
+
+<file path=ppt/slides/slide13.xml><?xml version="1.0" encoding="utf-8"?>
+<p:sld xmlns:a="http://schemas.openxmlformats.org/drawingml/2006/main" xmlns:r="http://schemas.openxmlformats.org/officeDocument/2006/relationships" xmlns:p="http://schemas.openxmlformats.org/presentationml/2006/main">
+  <p:cSld>
+    <p:spTree>
+      <p:nvGrpSpPr>
+        <p:cNvPr id="1" name=""/>
+        <p:cNvGrpSpPr/>
+        <p:nvPr/>
+      </p:nvGrpSpPr>
+      <p:grpSpPr>
+        <a:xfrm>
+          <a:off x="0" y="0"/>
+          <a:ext cx="0" cy="0"/>
+          <a:chOff x="0" y="0"/>
+          <a:chExt cx="0" cy="0"/>
+        </a:xfrm>
+      </p:grpSpPr>
+      <p:sp>
+        <p:nvSpPr>
+          <p:cNvPr id="2" name="Title 1"/>
+          <p:cNvSpPr>
+            <a:spLocks noGrp="1"/>
+          </p:cNvSpPr>
+          <p:nvPr>
+            <p:ph type="title"/>
+          </p:nvPr>
+        </p:nvSpPr>
+        <p:spPr/>
+        <p:txBody>
+          <a:bodyPr/>
+          <a:lstStyle/>
+          <a:p>
+            <a:r>
+              <a:rPr lang="uk-UA" dirty="0" smtClean="0"/>
+              <a:t>Шукаємо</a:t>
+            </a:r>
+            <a:endParaRPr lang="uk-UA" dirty="0"/>
+          </a:p>
+        </p:txBody>
+      </p:sp>
+      <p:pic>
+        <p:nvPicPr>
+          <p:cNvPr id="4" name="Content Placeholder 3"/>
+          <p:cNvPicPr>
+            <a:picLocks noGrp="1" noChangeAspect="1"/>
+          </p:cNvPicPr>
+          <p:nvPr>
+            <p:ph idx="1"/>
+          </p:nvPr>
+        </p:nvPicPr>
+        <p:blipFill>
+          <a:blip r:embed="rId2">
+            <a:extLst>
+              <a:ext uri="{28A0092B-C50C-407E-A947-70E740481C1C}">
+                <a14:useLocalDpi xmlns:a14="http://schemas.microsoft.com/office/drawing/2010/main" val="0"/>
+              </a:ext>
+            </a:extLst>
+          </a:blip>
+          <a:stretch>
+            <a:fillRect/>
+          </a:stretch>
+        </p:blipFill>
+        <p:spPr>
+          <a:xfrm>
+            <a:off x="684212" y="585844"/>
+            <a:ext cx="11041931" cy="3099052"/>
+          </a:xfrm>
+        </p:spPr>
+      </p:pic>
+    </p:spTree>
+    <p:extLst>
+      <p:ext uri="{BB962C8B-B14F-4D97-AF65-F5344CB8AC3E}">
+        <p14:creationId xmlns:p14="http://schemas.microsoft.com/office/powerpoint/2010/main" val="725515825"/>
+      </p:ext>
+    </p:extLst>
+  </p:cSld>
+  <p:clrMapOvr>
+    <a:masterClrMapping/>
+  </p:clrMapOvr>
+</p:sld>
+</file>
+
+<file path=ppt/slides/slide14.xml><?xml version="1.0" encoding="utf-8"?>
+<p:sld xmlns:a="http://schemas.openxmlformats.org/drawingml/2006/main" xmlns:r="http://schemas.openxmlformats.org/officeDocument/2006/relationships" xmlns:p="http://schemas.openxmlformats.org/presentationml/2006/main">
+  <p:cSld>
+    <p:spTree>
+      <p:nvGrpSpPr>
+        <p:cNvPr id="1" name=""/>
+        <p:cNvGrpSpPr/>
+        <p:nvPr/>
+      </p:nvGrpSpPr>
+      <p:grpSpPr>
+        <a:xfrm>
+          <a:off x="0" y="0"/>
+          <a:ext cx="0" cy="0"/>
+          <a:chOff x="0" y="0"/>
+          <a:chExt cx="0" cy="0"/>
+        </a:xfrm>
+      </p:grpSpPr>
+      <p:sp>
+        <p:nvSpPr>
+          <p:cNvPr id="2" name="Title 1"/>
+          <p:cNvSpPr>
+            <a:spLocks noGrp="1"/>
+          </p:cNvSpPr>
+          <p:nvPr>
+            <p:ph type="title"/>
+          </p:nvPr>
+        </p:nvSpPr>
+        <p:spPr/>
+        <p:txBody>
+          <a:bodyPr/>
+          <a:lstStyle/>
+          <a:p>
+            <a:r>
+              <a:rPr lang="uk-UA" dirty="0" smtClean="0"/>
+              <a:t>Вміст</a:t>
+            </a:r>
+            <a:endParaRPr lang="uk-UA" dirty="0"/>
+          </a:p>
+        </p:txBody>
+      </p:sp>
+      <p:pic>
+        <p:nvPicPr>
+          <p:cNvPr id="4" name="Content Placeholder 3"/>
+          <p:cNvPicPr>
+            <a:picLocks noGrp="1" noChangeAspect="1"/>
+          </p:cNvPicPr>
+          <p:nvPr>
+            <p:ph idx="1"/>
+          </p:nvPr>
+        </p:nvPicPr>
+        <p:blipFill>
+          <a:blip r:embed="rId2">
+            <a:extLst>
+              <a:ext uri="{28A0092B-C50C-407E-A947-70E740481C1C}">
+                <a14:useLocalDpi xmlns:a14="http://schemas.microsoft.com/office/drawing/2010/main" val="0"/>
+              </a:ext>
+            </a:extLst>
+          </a:blip>
+          <a:stretch>
+            <a:fillRect/>
+          </a:stretch>
+        </p:blipFill>
+        <p:spPr>
+          <a:xfrm>
+            <a:off x="684212" y="290014"/>
+            <a:ext cx="9305949" cy="4540855"/>
+          </a:xfrm>
+        </p:spPr>
+      </p:pic>
+    </p:spTree>
+    <p:extLst>
+      <p:ext uri="{BB962C8B-B14F-4D97-AF65-F5344CB8AC3E}">
+        <p14:creationId xmlns:p14="http://schemas.microsoft.com/office/powerpoint/2010/main" val="2607798167"/>
+      </p:ext>
+    </p:extLst>
+  </p:cSld>
+  <p:clrMapOvr>
+    <a:masterClrMapping/>
+  </p:clrMapOvr>
+</p:sld>
+</file>
+
+<file path=ppt/slides/slide15.xml><?xml version="1.0" encoding="utf-8"?>
+<p:sld xmlns:a="http://schemas.openxmlformats.org/drawingml/2006/main" xmlns:r="http://schemas.openxmlformats.org/officeDocument/2006/relationships" xmlns:p="http://schemas.openxmlformats.org/presentationml/2006/main">
+  <p:cSld>
+    <p:spTree>
+      <p:nvGrpSpPr>
+        <p:cNvPr id="1" name=""/>
+        <p:cNvGrpSpPr/>
+        <p:nvPr/>
+      </p:nvGrpSpPr>
+      <p:grpSpPr>
+        <a:xfrm>
+          <a:off x="0" y="0"/>
+          <a:ext cx="0" cy="0"/>
+          <a:chOff x="0" y="0"/>
+          <a:chExt cx="0" cy="0"/>
+        </a:xfrm>
+      </p:grpSpPr>
+      <p:sp>
+        <p:nvSpPr>
+          <p:cNvPr id="2" name="Title 1"/>
+          <p:cNvSpPr>
+            <a:spLocks noGrp="1"/>
+          </p:cNvSpPr>
+          <p:nvPr>
+            <p:ph type="title"/>
+          </p:nvPr>
+        </p:nvSpPr>
+        <p:spPr/>
+        <p:txBody>
+          <a:bodyPr/>
+          <a:lstStyle/>
+          <a:p>
+            <a:r>
+              <a:rPr lang="uk-UA" dirty="0" smtClean="0"/>
+              <a:t>Видаляємо</a:t>
+            </a:r>
+            <a:endParaRPr lang="uk-UA" dirty="0"/>
+          </a:p>
+        </p:txBody>
+      </p:sp>
+      <p:pic>
+        <p:nvPicPr>
+          <p:cNvPr id="4" name="Content Placeholder 3"/>
+          <p:cNvPicPr>
+            <a:picLocks noGrp="1" noChangeAspect="1"/>
+          </p:cNvPicPr>
+          <p:nvPr>
+            <p:ph idx="1"/>
+          </p:nvPr>
+        </p:nvPicPr>
+        <p:blipFill>
+          <a:blip r:embed="rId2">
+            <a:extLst>
+              <a:ext uri="{28A0092B-C50C-407E-A947-70E740481C1C}">
+                <a14:useLocalDpi xmlns:a14="http://schemas.microsoft.com/office/drawing/2010/main" val="0"/>
+              </a:ext>
+            </a:extLst>
+          </a:blip>
+          <a:stretch>
+            <a:fillRect/>
+          </a:stretch>
+        </p:blipFill>
+        <p:spPr>
+          <a:xfrm>
+            <a:off x="684212" y="818455"/>
+            <a:ext cx="10532944" cy="2921032"/>
+          </a:xfrm>
+        </p:spPr>
+      </p:pic>
+    </p:spTree>
+    <p:extLst>
+      <p:ext uri="{BB962C8B-B14F-4D97-AF65-F5344CB8AC3E}">
+        <p14:creationId xmlns:p14="http://schemas.microsoft.com/office/powerpoint/2010/main" val="1083620214"/>
+      </p:ext>
+    </p:extLst>
+  </p:cSld>
+  <p:clrMapOvr>
+    <a:masterClrMapping/>
+  </p:clrMapOvr>
+</p:sld>
+</file>
+
+<file path=ppt/slides/slide16.xml><?xml version="1.0" encoding="utf-8"?>
+<p:sld xmlns:a="http://schemas.openxmlformats.org/drawingml/2006/main" xmlns:r="http://schemas.openxmlformats.org/officeDocument/2006/relationships" xmlns:p="http://schemas.openxmlformats.org/presentationml/2006/main">
+  <p:cSld>
+    <p:spTree>
+      <p:nvGrpSpPr>
+        <p:cNvPr id="1" name=""/>
+        <p:cNvGrpSpPr/>
+        <p:nvPr/>
+      </p:nvGrpSpPr>
+      <p:grpSpPr>
+        <a:xfrm>
+          <a:off x="0" y="0"/>
+          <a:ext cx="0" cy="0"/>
+          <a:chOff x="0" y="0"/>
+          <a:chExt cx="0" cy="0"/>
+        </a:xfrm>
+      </p:grpSpPr>
+      <p:sp>
+        <p:nvSpPr>
+          <p:cNvPr id="2" name="Title 1"/>
+          <p:cNvSpPr>
+            <a:spLocks noGrp="1"/>
+          </p:cNvSpPr>
+          <p:nvPr>
+            <p:ph type="title"/>
+          </p:nvPr>
+        </p:nvSpPr>
+        <p:spPr/>
+        <p:txBody>
+          <a:bodyPr/>
+          <a:lstStyle/>
+          <a:p>
+            <a:r>
               <a:rPr lang="uk-UA" dirty="0" smtClean="0"/>
               <a:t>Висновки</a:t>
             </a:r>
@@ -8601,7 +9118,7 @@
         <p:spPr>
           <a:xfrm>
             <a:off x="805218" y="723331"/>
-            <a:ext cx="6823881" cy="2246769"/>
+            <a:ext cx="6823881" cy="3170099"/>
           </a:xfrm>
           <a:prstGeom prst="rect">
             <a:avLst/>
@@ -8628,8 +9145,13 @@
             </a:r>
             <a:r>
               <a:rPr lang="uk-UA" sz="2000" dirty="0" smtClean="0"/>
-              <a:t> і не підходять під усі типи задач.</a:t>
-            </a:r>
+              <a:t> і не підходять під усі типи задач</a:t>
+            </a:r>
+            <a:r>
+              <a:rPr lang="uk-UA" sz="2000" dirty="0" smtClean="0"/>
+              <a:t>. </a:t>
+            </a:r>
+            <a:endParaRPr lang="uk-UA" sz="2000" dirty="0" smtClean="0"/>
           </a:p>
           <a:p>
             <a:pPr marL="285750" indent="-285750">
@@ -8638,12 +9160,23 @@
             </a:pPr>
             <a:r>
               <a:rPr lang="uk-UA" sz="2000" dirty="0" smtClean="0"/>
-              <a:t>Розподіл системи на різні компоненти спрощує її розробку, розширення </a:t>
-            </a:r>
-            <a:r>
-              <a:rPr lang="uk-UA" sz="2000" smtClean="0"/>
-              <a:t>та швидкодію.</a:t>
-            </a:r>
+              <a:t>Розподіл системи на різні компоненти спрощує її розробку, розширення та швидкодію</a:t>
+            </a:r>
+            <a:r>
+              <a:rPr lang="uk-UA" sz="2000" dirty="0" smtClean="0"/>
+              <a:t>.</a:t>
+            </a:r>
+          </a:p>
+          <a:p>
+            <a:pPr marL="285750" indent="-285750">
+              <a:buFont typeface="Arial" panose="020B0604020202020204" pitchFamily="34" charset="0"/>
+              <a:buChar char="•"/>
+            </a:pPr>
+            <a:r>
+              <a:rPr lang="uk-UA" sz="2000" dirty="0" smtClean="0"/>
+              <a:t>Наразі існує безліч інструментів для розпізнавання тексту, базовані на різних методах.</a:t>
+            </a:r>
+            <a:endParaRPr lang="uk-UA" sz="2000" dirty="0" smtClean="0"/>
           </a:p>
           <a:p>
             <a:endParaRPr lang="uk-UA" sz="2000" dirty="0"/>
@@ -8667,6 +9200,91 @@
       </p:par>
     </p:tnLst>
   </p:timing>
+</p:sld>
+</file>
+
+<file path=ppt/slides/slide17.xml><?xml version="1.0" encoding="utf-8"?>
+<p:sld xmlns:a="http://schemas.openxmlformats.org/drawingml/2006/main" xmlns:r="http://schemas.openxmlformats.org/officeDocument/2006/relationships" xmlns:p="http://schemas.openxmlformats.org/presentationml/2006/main">
+  <p:cSld>
+    <p:spTree>
+      <p:nvGrpSpPr>
+        <p:cNvPr id="1" name=""/>
+        <p:cNvGrpSpPr/>
+        <p:nvPr/>
+      </p:nvGrpSpPr>
+      <p:grpSpPr>
+        <a:xfrm>
+          <a:off x="0" y="0"/>
+          <a:ext cx="0" cy="0"/>
+          <a:chOff x="0" y="0"/>
+          <a:chExt cx="0" cy="0"/>
+        </a:xfrm>
+      </p:grpSpPr>
+      <p:sp>
+        <p:nvSpPr>
+          <p:cNvPr id="2" name="Title 1"/>
+          <p:cNvSpPr>
+            <a:spLocks noGrp="1"/>
+          </p:cNvSpPr>
+          <p:nvPr>
+            <p:ph type="title"/>
+          </p:nvPr>
+        </p:nvSpPr>
+        <p:spPr/>
+        <p:txBody>
+          <a:bodyPr/>
+          <a:lstStyle/>
+          <a:p>
+            <a:r>
+              <a:rPr lang="uk-UA" dirty="0" smtClean="0"/>
+              <a:t>Дякую за увагу</a:t>
+            </a:r>
+            <a:endParaRPr lang="uk-UA" dirty="0"/>
+          </a:p>
+        </p:txBody>
+      </p:sp>
+      <p:pic>
+        <p:nvPicPr>
+          <p:cNvPr id="4" name="Content Placeholder 3"/>
+          <p:cNvPicPr>
+            <a:picLocks noGrp="1" noChangeAspect="1"/>
+          </p:cNvPicPr>
+          <p:nvPr>
+            <p:ph idx="1"/>
+          </p:nvPr>
+        </p:nvPicPr>
+        <p:blipFill>
+          <a:blip r:embed="rId2">
+            <a:extLst>
+              <a:ext uri="{28A0092B-C50C-407E-A947-70E740481C1C}">
+                <a14:useLocalDpi xmlns:a14="http://schemas.microsoft.com/office/drawing/2010/main" val="0"/>
+              </a:ext>
+            </a:extLst>
+          </a:blip>
+          <a:stretch>
+            <a:fillRect/>
+          </a:stretch>
+        </p:blipFill>
+        <p:spPr>
+          <a:xfrm>
+            <a:off x="2949291" y="1749365"/>
+            <a:ext cx="1689871" cy="1689871"/>
+          </a:xfrm>
+          <a:prstGeom prst="rect">
+            <a:avLst/>
+          </a:prstGeom>
+        </p:spPr>
+      </p:pic>
+    </p:spTree>
+    <p:extLst>
+      <p:ext uri="{BB962C8B-B14F-4D97-AF65-F5344CB8AC3E}">
+        <p14:creationId xmlns:p14="http://schemas.microsoft.com/office/powerpoint/2010/main" val="4107392480"/>
+      </p:ext>
+    </p:extLst>
+  </p:cSld>
+  <p:clrMapOvr>
+    <a:masterClrMapping/>
+  </p:clrMapOvr>
 </p:sld>
 </file>
 
@@ -10782,6 +11400,10 @@
               <a:rPr lang="uk-UA" dirty="0" err="1" smtClean="0"/>
               <a:t>АрХітектура</a:t>
             </a:r>
+            <a:r>
+              <a:rPr lang="uk-UA" dirty="0" smtClean="0"/>
+              <a:t> В цілому</a:t>
+            </a:r>
             <a:endParaRPr lang="uk-UA" dirty="0"/>
           </a:p>
         </p:txBody>
@@ -10793,7 +11415,7 @@
           <p:nvPr>
             <p:extLst>
               <p:ext uri="{D42A27DB-BD31-4B8C-83A1-F6EECF244321}">
-                <p14:modId xmlns:p14="http://schemas.microsoft.com/office/powerpoint/2010/main" val="1898954979"/>
+                <p14:modId xmlns:p14="http://schemas.microsoft.com/office/powerpoint/2010/main" val="1523749611"/>
               </p:ext>
             </p:extLst>
           </p:nvPr>
@@ -10877,7 +11499,7 @@
         <p:spPr>
           <a:xfrm>
             <a:off x="532263" y="641445"/>
-            <a:ext cx="8038531" cy="3046988"/>
+            <a:ext cx="8038531" cy="3416320"/>
           </a:xfrm>
           <a:prstGeom prst="rect">
             <a:avLst/>
@@ -10906,8 +11528,23 @@
             </a:pPr>
             <a:r>
               <a:rPr lang="uk-UA" sz="2400" dirty="0" smtClean="0"/>
-              <a:t>Пошук підтримує друкарські помилки, спільнокореневі слова</a:t>
-            </a:r>
+              <a:t>Пошук підтримує друкарські помилки, спільнокореневі </a:t>
+            </a:r>
+            <a:r>
+              <a:rPr lang="uk-UA" sz="2400" dirty="0" smtClean="0"/>
+              <a:t>слова.</a:t>
+            </a:r>
+          </a:p>
+          <a:p>
+            <a:pPr marL="285750" indent="-285750">
+              <a:buFont typeface="Arial" panose="020B0604020202020204" pitchFamily="34" charset="0"/>
+              <a:buChar char="•"/>
+            </a:pPr>
+            <a:r>
+              <a:rPr lang="uk-UA" sz="2400" dirty="0" smtClean="0"/>
+              <a:t>Вміст документів враховується</a:t>
+            </a:r>
+            <a:endParaRPr lang="uk-UA" sz="2400" dirty="0" smtClean="0"/>
           </a:p>
           <a:p>
             <a:pPr marL="285750" indent="-285750">
